--- a/lessons/basic/triangle/第二节课.pptx
+++ b/lessons/basic/triangle/第二节课.pptx
@@ -8,7 +8,7 @@
     <p:notesMasterId r:id="rId4"/>
   </p:notesMasterIdLst>
   <p:handoutMasterIdLst>
-    <p:handoutMasterId r:id="rId36"/>
+    <p:handoutMasterId r:id="rId37"/>
   </p:handoutMasterIdLst>
   <p:sldIdLst>
     <p:sldId id="307" r:id="rId3"/>
@@ -42,12 +42,13 @@
     <p:sldId id="409" r:id="rId32"/>
     <p:sldId id="362" r:id="rId33"/>
     <p:sldId id="410" r:id="rId34"/>
-    <p:sldId id="316" r:id="rId35"/>
+    <p:sldId id="420" r:id="rId35"/>
+    <p:sldId id="316" r:id="rId36"/>
   </p:sldIdLst>
   <p:sldSz cx="12192000" cy="6858000"/>
   <p:notesSz cx="6858000" cy="9144000"/>
   <p:custDataLst>
-    <p:tags r:id="rId40"/>
+    <p:tags r:id="rId41"/>
   </p:custDataLst>
   <p:defaultTextStyle>
     <a:defPPr>
@@ -11576,6 +11577,134 @@
       <p:grpSpPr/>
       <p:sp>
         <p:nvSpPr>
+          <p:cNvPr id="2" name="文本占位符 1"/>
+          <p:cNvSpPr>
+            <a:spLocks noGrp="1"/>
+          </p:cNvSpPr>
+          <p:nvPr>
+            <p:ph type="body" idx="1"/>
+          </p:nvPr>
+        </p:nvSpPr>
+        <p:spPr/>
+        <p:txBody>
+          <a:bodyPr/>
+          <a:p>
+            <a:pPr marL="285750" indent="-285750">
+              <a:buFont typeface="Arial" panose="020B0604020202020204" pitchFamily="34" charset="0"/>
+              <a:buChar char="•"/>
+            </a:pPr>
+            <a:r>
+              <a:rPr lang="zh-CN" altLang="en-US"/>
+              <a:t>提供预习下节课的</a:t>
+            </a:r>
+            <a:r>
+              <a:rPr lang="zh-CN" altLang="en-US"/>
+              <a:t>资料？</a:t>
+            </a:r>
+            <a:endParaRPr lang="zh-CN" altLang="en-US"/>
+          </a:p>
+          <a:p>
+            <a:pPr marL="285750" indent="-285750">
+              <a:buFont typeface="Arial" panose="020B0604020202020204" pitchFamily="34" charset="0"/>
+              <a:buChar char="•"/>
+            </a:pPr>
+            <a:r>
+              <a:t>会详细讲</a:t>
+            </a:r>
+            <a:r>
+              <a:rPr lang="en-US" altLang="zh-CN"/>
+              <a:t>WebGPU</a:t>
+            </a:r>
+            <a:r>
+              <a:t>和</a:t>
+            </a:r>
+            <a:r>
+              <a:rPr lang="en-US" altLang="zh-CN"/>
+              <a:t>GLSL</a:t>
+            </a:r>
+            <a:r>
+              <a:t>吗？</a:t>
+            </a:r>
+          </a:p>
+          <a:p>
+            <a:pPr>
+              <a:buFont typeface="Arial" panose="020B0604020202020204" pitchFamily="34" charset="0"/>
+            </a:pPr>
+            <a:r>
+              <a:rPr lang="en-US" altLang="zh-CN"/>
+              <a:t>- WebGPU</a:t>
+            </a:r>
+            <a:r>
+              <a:t>不会详细讲，因为不是重点</a:t>
+            </a:r>
+            <a:r>
+              <a:rPr lang="en-US" altLang="zh-CN"/>
+              <a:t> </a:t>
+            </a:r>
+            <a:endParaRPr lang="en-US" altLang="zh-CN"/>
+          </a:p>
+          <a:p>
+            <a:pPr>
+              <a:buFont typeface="Arial" panose="020B0604020202020204" pitchFamily="34" charset="0"/>
+            </a:pPr>
+            <a:r>
+              <a:rPr lang="en-US" altLang="zh-CN"/>
+              <a:t>- </a:t>
+            </a:r>
+            <a:r>
+              <a:t>会彻底搞懂</a:t>
+            </a:r>
+            <a:r>
+              <a:rPr lang="en-US" altLang="zh-CN"/>
+              <a:t>GLSL</a:t>
+            </a:r>
+            <a:endParaRPr lang="en-US" altLang="zh-CN"/>
+          </a:p>
+        </p:txBody>
+      </p:sp>
+      <p:sp>
+        <p:nvSpPr>
+          <p:cNvPr id="3" name="标题 2"/>
+          <p:cNvSpPr>
+            <a:spLocks noGrp="1"/>
+          </p:cNvSpPr>
+          <p:nvPr>
+            <p:ph type="title"/>
+          </p:nvPr>
+        </p:nvSpPr>
+        <p:spPr/>
+        <p:txBody>
+          <a:bodyPr/>
+          <a:p>
+            <a:r>
+              <a:t>问答</a:t>
+            </a:r>
+          </a:p>
+        </p:txBody>
+      </p:sp>
+    </p:spTree>
+    <p:custDataLst>
+      <p:tags r:id="rId1"/>
+    </p:custDataLst>
+  </p:cSld>
+  <p:clrMapOvr>
+    <a:masterClrMapping/>
+  </p:clrMapOvr>
+</p:sld>
+</file>
+
+<file path=ppt/slides/slide33.xml><?xml version="1.0" encoding="utf-8"?>
+<p:sld xmlns:a="http://schemas.openxmlformats.org/drawingml/2006/main" xmlns:r="http://schemas.openxmlformats.org/officeDocument/2006/relationships" xmlns:p="http://schemas.openxmlformats.org/presentationml/2006/main">
+  <p:cSld>
+    <p:spTree>
+      <p:nvGrpSpPr>
+        <p:cNvPr id="1" name=""/>
+        <p:cNvGrpSpPr/>
+        <p:nvPr/>
+      </p:nvGrpSpPr>
+      <p:grpSpPr/>
+      <p:sp>
+        <p:nvSpPr>
           <p:cNvPr id="2" name="标题 1"/>
           <p:cNvSpPr>
             <a:spLocks noGrp="1"/>
@@ -12540,6 +12669,17 @@
             <a:r>
               <a:rPr lang="zh-CN" altLang="en-US"/>
               <a:t>用途？</a:t>
+            </a:r>
+            <a:endParaRPr lang="zh-CN" altLang="en-US"/>
+          </a:p>
+          <a:p>
+            <a:r>
+              <a:rPr lang="zh-CN" altLang="en-US"/>
+              <a:t>为什么需要计算管线？有什么</a:t>
+            </a:r>
+            <a:r>
+              <a:rPr lang="zh-CN" altLang="en-US"/>
+              <a:t>用？</a:t>
             </a:r>
             <a:endParaRPr lang="zh-CN" altLang="en-US"/>
           </a:p>
@@ -12865,6 +13005,55 @@
                       </p:childTnLst>
                     </p:cTn>
                   </p:par>
+                  <p:par>
+                    <p:cTn id="23" fill="hold">
+                      <p:stCondLst>
+                        <p:cond delay="indefinite"/>
+                      </p:stCondLst>
+                      <p:childTnLst>
+                        <p:par>
+                          <p:cTn id="24" fill="hold">
+                            <p:stCondLst>
+                              <p:cond delay="0"/>
+                            </p:stCondLst>
+                            <p:childTnLst>
+                              <p:par>
+                                <p:cTn id="25" presetID="1" presetClass="entr" presetSubtype="0" fill="hold" nodeType="clickEffect">
+                                  <p:stCondLst>
+                                    <p:cond delay="0"/>
+                                  </p:stCondLst>
+                                  <p:childTnLst>
+                                    <p:set>
+                                      <p:cBhvr>
+                                        <p:cTn id="26" dur="1" fill="hold">
+                                          <p:stCondLst>
+                                            <p:cond delay="0"/>
+                                          </p:stCondLst>
+                                        </p:cTn>
+                                        <p:tgtEl>
+                                          <p:spTgt spid="3">
+                                            <p:txEl>
+                                              <p:pRg st="4" end="4"/>
+                                            </p:txEl>
+                                          </p:spTgt>
+                                        </p:tgtEl>
+                                        <p:attrNameLst>
+                                          <p:attrName>style.visibility</p:attrName>
+                                        </p:attrNameLst>
+                                      </p:cBhvr>
+                                      <p:to>
+                                        <p:strVal val="visible"/>
+                                      </p:to>
+                                    </p:set>
+                                  </p:childTnLst>
+                                </p:cTn>
+                              </p:par>
+                            </p:childTnLst>
+                          </p:cTn>
+                        </p:par>
+                      </p:childTnLst>
+                    </p:cTn>
+                  </p:par>
                 </p:childTnLst>
               </p:cTn>
               <p:prevCondLst>
@@ -14022,6 +14211,15 @@
 </file>
 
 <file path=ppt/tags/tag94.xml><?xml version="1.0" encoding="utf-8"?>
+<p:tagLst xmlns:p="http://schemas.openxmlformats.org/presentationml/2006/main">
+  <p:tag name="KSO_WM_BEAUTIFY_FLAG" val="#wm#"/>
+  <p:tag name="KSO_WM_TEMPLATE_CATEGORY" val="custom"/>
+  <p:tag name="KSO_WM_TEMPLATE_INDEX" val="20187308"/>
+  <p:tag name="KSO_WM_SPECIAL_SOURCE" val="bdnull"/>
+</p:tagLst>
+</file>
+
+<file path=ppt/tags/tag95.xml><?xml version="1.0" encoding="utf-8"?>
 <p:tagLst xmlns:p="http://schemas.openxmlformats.org/presentationml/2006/main">
   <p:tag name="KSO_DOCER_TEMPLATE_OPEN_ONCE_MARK" val="1"/>
 </p:tagLst>

--- a/lessons/basic/triangle/第二节课.pptx
+++ b/lessons/basic/triangle/第二节课.pptx
@@ -8,47 +8,48 @@
     <p:notesMasterId r:id="rId4"/>
   </p:notesMasterIdLst>
   <p:handoutMasterIdLst>
-    <p:handoutMasterId r:id="rId37"/>
+    <p:handoutMasterId r:id="rId38"/>
   </p:handoutMasterIdLst>
   <p:sldIdLst>
     <p:sldId id="307" r:id="rId3"/>
     <p:sldId id="308" r:id="rId5"/>
     <p:sldId id="311" r:id="rId6"/>
-    <p:sldId id="361" r:id="rId7"/>
-    <p:sldId id="365" r:id="rId8"/>
-    <p:sldId id="390" r:id="rId9"/>
-    <p:sldId id="394" r:id="rId10"/>
-    <p:sldId id="392" r:id="rId11"/>
-    <p:sldId id="376" r:id="rId12"/>
-    <p:sldId id="368" r:id="rId13"/>
-    <p:sldId id="369" r:id="rId14"/>
-    <p:sldId id="370" r:id="rId15"/>
-    <p:sldId id="371" r:id="rId16"/>
-    <p:sldId id="377" r:id="rId17"/>
-    <p:sldId id="373" r:id="rId18"/>
-    <p:sldId id="397" r:id="rId19"/>
-    <p:sldId id="395" r:id="rId20"/>
-    <p:sldId id="403" r:id="rId21"/>
-    <p:sldId id="404" r:id="rId22"/>
-    <p:sldId id="405" r:id="rId23"/>
-    <p:sldId id="378" r:id="rId24"/>
-    <p:sldId id="382" r:id="rId25"/>
-    <p:sldId id="407" r:id="rId26"/>
-    <p:sldId id="388" r:id="rId27"/>
-    <p:sldId id="406" r:id="rId28"/>
-    <p:sldId id="399" r:id="rId29"/>
-    <p:sldId id="400" r:id="rId30"/>
-    <p:sldId id="314" r:id="rId31"/>
-    <p:sldId id="409" r:id="rId32"/>
-    <p:sldId id="362" r:id="rId33"/>
-    <p:sldId id="410" r:id="rId34"/>
-    <p:sldId id="420" r:id="rId35"/>
-    <p:sldId id="316" r:id="rId36"/>
+    <p:sldId id="422" r:id="rId7"/>
+    <p:sldId id="361" r:id="rId8"/>
+    <p:sldId id="365" r:id="rId9"/>
+    <p:sldId id="390" r:id="rId10"/>
+    <p:sldId id="394" r:id="rId11"/>
+    <p:sldId id="392" r:id="rId12"/>
+    <p:sldId id="376" r:id="rId13"/>
+    <p:sldId id="368" r:id="rId14"/>
+    <p:sldId id="369" r:id="rId15"/>
+    <p:sldId id="370" r:id="rId16"/>
+    <p:sldId id="371" r:id="rId17"/>
+    <p:sldId id="377" r:id="rId18"/>
+    <p:sldId id="373" r:id="rId19"/>
+    <p:sldId id="397" r:id="rId20"/>
+    <p:sldId id="395" r:id="rId21"/>
+    <p:sldId id="403" r:id="rId22"/>
+    <p:sldId id="404" r:id="rId23"/>
+    <p:sldId id="405" r:id="rId24"/>
+    <p:sldId id="378" r:id="rId25"/>
+    <p:sldId id="382" r:id="rId26"/>
+    <p:sldId id="407" r:id="rId27"/>
+    <p:sldId id="388" r:id="rId28"/>
+    <p:sldId id="406" r:id="rId29"/>
+    <p:sldId id="399" r:id="rId30"/>
+    <p:sldId id="400" r:id="rId31"/>
+    <p:sldId id="314" r:id="rId32"/>
+    <p:sldId id="409" r:id="rId33"/>
+    <p:sldId id="362" r:id="rId34"/>
+    <p:sldId id="410" r:id="rId35"/>
+    <p:sldId id="420" r:id="rId36"/>
+    <p:sldId id="316" r:id="rId37"/>
   </p:sldIdLst>
   <p:sldSz cx="12192000" cy="6858000"/>
   <p:notesSz cx="6858000" cy="9144000"/>
   <p:custDataLst>
-    <p:tags r:id="rId41"/>
+    <p:tags r:id="rId42"/>
   </p:custDataLst>
   <p:defaultTextStyle>
     <a:defPPr>
@@ -6262,6 +6263,85 @@
         <p:cNvGrpSpPr/>
         <p:nvPr/>
       </p:nvGrpSpPr>
+      <p:grpSpPr>
+        <a:xfrm>
+          <a:off x="0" y="0"/>
+          <a:ext cx="0" cy="0"/>
+          <a:chOff x="0" y="0"/>
+          <a:chExt cx="0" cy="0"/>
+        </a:xfrm>
+      </p:grpSpPr>
+      <p:sp>
+        <p:nvSpPr>
+          <p:cNvPr id="2" name="标题 1"/>
+          <p:cNvSpPr>
+            <a:spLocks noGrp="1"/>
+          </p:cNvSpPr>
+          <p:nvPr>
+            <p:ph type="title"/>
+          </p:nvPr>
+        </p:nvSpPr>
+        <p:spPr/>
+        <p:txBody>
+          <a:bodyPr/>
+          <a:lstStyle/>
+          <a:p>
+            <a:r>
+              <a:rPr>
+                <a:sym typeface="+mn-ea"/>
+              </a:rPr>
+              <a:t>主问题：</a:t>
+            </a:r>
+            <a:r>
+              <a:rPr lang="en-US">
+                <a:sym typeface="+mn-ea"/>
+              </a:rPr>
+              <a:t>WebGPU</a:t>
+            </a:r>
+            <a:r>
+              <a:rPr>
+                <a:sym typeface="+mn-ea"/>
+              </a:rPr>
+              <a:t>和</a:t>
+            </a:r>
+            <a:r>
+              <a:rPr lang="en-US" altLang="zh-CN">
+                <a:sym typeface="+mn-ea"/>
+              </a:rPr>
+              <a:t>WebGL</a:t>
+            </a:r>
+            <a:r>
+              <a:rPr>
+                <a:sym typeface="+mn-ea"/>
+              </a:rPr>
+              <a:t>是什么关系</a:t>
+            </a:r>
+            <a:endParaRPr dirty="0">
+              <a:sym typeface="+mn-ea"/>
+            </a:endParaRPr>
+          </a:p>
+        </p:txBody>
+      </p:sp>
+    </p:spTree>
+    <p:custDataLst>
+      <p:tags r:id="rId1"/>
+    </p:custDataLst>
+  </p:cSld>
+  <p:clrMapOvr>
+    <a:masterClrMapping/>
+  </p:clrMapOvr>
+</p:sld>
+</file>
+
+<file path=ppt/slides/slide11.xml><?xml version="1.0" encoding="utf-8"?>
+<p:sld xmlns:a="http://schemas.openxmlformats.org/drawingml/2006/main" xmlns:r="http://schemas.openxmlformats.org/officeDocument/2006/relationships" xmlns:p="http://schemas.openxmlformats.org/presentationml/2006/main">
+  <p:cSld>
+    <p:spTree>
+      <p:nvGrpSpPr>
+        <p:cNvPr id="1" name=""/>
+        <p:cNvGrpSpPr/>
+        <p:nvPr/>
+      </p:nvGrpSpPr>
       <p:grpSpPr/>
       <p:sp>
         <p:nvSpPr>
@@ -6619,7 +6699,7 @@
 </p:sld>
 </file>
 
-<file path=ppt/slides/slide11.xml><?xml version="1.0" encoding="utf-8"?>
+<file path=ppt/slides/slide12.xml><?xml version="1.0" encoding="utf-8"?>
 <p:sld xmlns:a="http://schemas.openxmlformats.org/drawingml/2006/main" xmlns:r="http://schemas.openxmlformats.org/officeDocument/2006/relationships" xmlns:p="http://schemas.openxmlformats.org/presentationml/2006/main">
   <p:cSld>
     <p:spTree>
@@ -6675,7 +6755,7 @@
 </p:sld>
 </file>
 
-<file path=ppt/slides/slide12.xml><?xml version="1.0" encoding="utf-8"?>
+<file path=ppt/slides/slide13.xml><?xml version="1.0" encoding="utf-8"?>
 <p:sld xmlns:a="http://schemas.openxmlformats.org/drawingml/2006/main" xmlns:r="http://schemas.openxmlformats.org/officeDocument/2006/relationships" xmlns:p="http://schemas.openxmlformats.org/presentationml/2006/main">
   <p:cSld>
     <p:spTree>
@@ -6973,7 +7053,7 @@
 </p:sld>
 </file>
 
-<file path=ppt/slides/slide13.xml><?xml version="1.0" encoding="utf-8"?>
+<file path=ppt/slides/slide14.xml><?xml version="1.0" encoding="utf-8"?>
 <p:sld xmlns:a="http://schemas.openxmlformats.org/drawingml/2006/main" xmlns:r="http://schemas.openxmlformats.org/officeDocument/2006/relationships" xmlns:p="http://schemas.openxmlformats.org/presentationml/2006/main">
   <p:cSld>
     <p:spTree>
@@ -7312,7 +7392,7 @@
 </p:sld>
 </file>
 
-<file path=ppt/slides/slide14.xml><?xml version="1.0" encoding="utf-8"?>
+<file path=ppt/slides/slide15.xml><?xml version="1.0" encoding="utf-8"?>
 <p:sld xmlns:a="http://schemas.openxmlformats.org/drawingml/2006/main" xmlns:r="http://schemas.openxmlformats.org/officeDocument/2006/relationships" xmlns:p="http://schemas.openxmlformats.org/presentationml/2006/main">
   <p:cSld>
     <p:spTree>
@@ -7373,7 +7453,7 @@
 </p:sld>
 </file>
 
-<file path=ppt/slides/slide15.xml><?xml version="1.0" encoding="utf-8"?>
+<file path=ppt/slides/slide16.xml><?xml version="1.0" encoding="utf-8"?>
 <p:sld xmlns:a="http://schemas.openxmlformats.org/drawingml/2006/main" xmlns:r="http://schemas.openxmlformats.org/officeDocument/2006/relationships" xmlns:p="http://schemas.openxmlformats.org/presentationml/2006/main">
   <p:cSld>
     <p:spTree>
@@ -7714,7 +7794,7 @@
 </p:sld>
 </file>
 
-<file path=ppt/slides/slide16.xml><?xml version="1.0" encoding="utf-8"?>
+<file path=ppt/slides/slide17.xml><?xml version="1.0" encoding="utf-8"?>
 <p:sld xmlns:a="http://schemas.openxmlformats.org/drawingml/2006/main" xmlns:r="http://schemas.openxmlformats.org/officeDocument/2006/relationships" xmlns:p="http://schemas.openxmlformats.org/presentationml/2006/main">
   <p:cSld>
     <p:spTree>
@@ -7775,7 +7855,7 @@
 </p:sld>
 </file>
 
-<file path=ppt/slides/slide17.xml><?xml version="1.0" encoding="utf-8"?>
+<file path=ppt/slides/slide18.xml><?xml version="1.0" encoding="utf-8"?>
 <p:sld xmlns:a="http://schemas.openxmlformats.org/drawingml/2006/main" xmlns:r="http://schemas.openxmlformats.org/officeDocument/2006/relationships" xmlns:p="http://schemas.openxmlformats.org/presentationml/2006/main">
   <p:cSld>
     <p:spTree>
@@ -8594,7 +8674,7 @@
 </p:sld>
 </file>
 
-<file path=ppt/slides/slide18.xml><?xml version="1.0" encoding="utf-8"?>
+<file path=ppt/slides/slide19.xml><?xml version="1.0" encoding="utf-8"?>
 <p:sld xmlns:a="http://schemas.openxmlformats.org/drawingml/2006/main" xmlns:r="http://schemas.openxmlformats.org/officeDocument/2006/relationships" xmlns:p="http://schemas.openxmlformats.org/presentationml/2006/main">
   <p:cSld>
     <p:spTree>
@@ -8895,121 +8975,6 @@
 </p:sld>
 </file>
 
-<file path=ppt/slides/slide19.xml><?xml version="1.0" encoding="utf-8"?>
-<p:sld xmlns:a="http://schemas.openxmlformats.org/drawingml/2006/main" xmlns:r="http://schemas.openxmlformats.org/officeDocument/2006/relationships" xmlns:p="http://schemas.openxmlformats.org/presentationml/2006/main">
-  <p:cSld>
-    <p:spTree>
-      <p:nvGrpSpPr>
-        <p:cNvPr id="1" name=""/>
-        <p:cNvGrpSpPr/>
-        <p:nvPr/>
-      </p:nvGrpSpPr>
-      <p:grpSpPr/>
-      <p:sp>
-        <p:nvSpPr>
-          <p:cNvPr id="2" name="标题 1"/>
-          <p:cNvSpPr>
-            <a:spLocks noGrp="1"/>
-          </p:cNvSpPr>
-          <p:nvPr>
-            <p:ph type="title"/>
-          </p:nvPr>
-        </p:nvSpPr>
-        <p:spPr/>
-        <p:txBody>
-          <a:bodyPr/>
-          <a:p>
-            <a:r>
-              <a:rPr>
-                <a:sym typeface="+mn-ea"/>
-              </a:rPr>
-              <a:t>主问题：如何准备开发环境</a:t>
-            </a:r>
-            <a:endParaRPr lang="zh-CN" altLang="en-US"/>
-          </a:p>
-        </p:txBody>
-      </p:sp>
-      <p:sp>
-        <p:nvSpPr>
-          <p:cNvPr id="3" name="文本占位符 2"/>
-          <p:cNvSpPr>
-            <a:spLocks noGrp="1"/>
-          </p:cNvSpPr>
-          <p:nvPr>
-            <p:ph type="body" idx="1"/>
-          </p:nvPr>
-        </p:nvSpPr>
-        <p:spPr/>
-        <p:txBody>
-          <a:bodyPr/>
-          <a:p>
-            <a:r>
-              <a:rPr lang="zh-CN" altLang="en-US">
-                <a:sym typeface="+mn-ea"/>
-              </a:rPr>
-              <a:t>安装</a:t>
-            </a:r>
-            <a:r>
-              <a:rPr lang="en-US" altLang="zh-CN">
-                <a:sym typeface="+mn-ea"/>
-              </a:rPr>
-              <a:t>VS Code</a:t>
-            </a:r>
-            <a:endParaRPr lang="en-US" altLang="zh-CN">
-              <a:sym typeface="+mn-ea"/>
-            </a:endParaRPr>
-          </a:p>
-        </p:txBody>
-      </p:sp>
-      <p:sp>
-        <p:nvSpPr>
-          <p:cNvPr id="4" name="内容占位符 3"/>
-          <p:cNvSpPr>
-            <a:spLocks noGrp="1"/>
-          </p:cNvSpPr>
-          <p:nvPr>
-            <p:ph sz="half" idx="2"/>
-          </p:nvPr>
-        </p:nvSpPr>
-        <p:spPr/>
-        <p:txBody>
-          <a:bodyPr/>
-          <a:p>
-            <a:pPr>
-              <a:buFont typeface="Arial" panose="020B0604020202020204" pitchFamily="34" charset="0"/>
-            </a:pPr>
-            <a:r>
-              <a:rPr lang="zh-CN" altLang="en-US"/>
-              <a:t>进入</a:t>
-            </a:r>
-            <a:r>
-              <a:rPr lang="zh-CN" altLang="en-US">
-                <a:hlinkClick r:id="rId1" action="ppaction://hlinkfile"/>
-              </a:rPr>
-              <a:t>官网</a:t>
-            </a:r>
-            <a:r>
-              <a:rPr lang="zh-CN" altLang="en-US"/>
-              <a:t>下载并安装</a:t>
-            </a:r>
-            <a:endParaRPr lang="zh-CN" altLang="en-US"/>
-          </a:p>
-          <a:p>
-            <a:endParaRPr lang="zh-CN" altLang="en-US"/>
-          </a:p>
-        </p:txBody>
-      </p:sp>
-    </p:spTree>
-    <p:custDataLst>
-      <p:tags r:id="rId2"/>
-    </p:custDataLst>
-  </p:cSld>
-  <p:clrMapOvr>
-    <a:masterClrMapping/>
-  </p:clrMapOvr>
-</p:sld>
-</file>
-
 <file path=ppt/slides/slide2.xml><?xml version="1.0" encoding="utf-8"?>
 <p:sld xmlns:a="http://schemas.openxmlformats.org/drawingml/2006/main" xmlns:r="http://schemas.openxmlformats.org/officeDocument/2006/relationships" xmlns:p="http://schemas.openxmlformats.org/presentationml/2006/main">
   <p:cSld>
@@ -9071,6 +9036,121 @@
 </file>
 
 <file path=ppt/slides/slide20.xml><?xml version="1.0" encoding="utf-8"?>
+<p:sld xmlns:a="http://schemas.openxmlformats.org/drawingml/2006/main" xmlns:r="http://schemas.openxmlformats.org/officeDocument/2006/relationships" xmlns:p="http://schemas.openxmlformats.org/presentationml/2006/main">
+  <p:cSld>
+    <p:spTree>
+      <p:nvGrpSpPr>
+        <p:cNvPr id="1" name=""/>
+        <p:cNvGrpSpPr/>
+        <p:nvPr/>
+      </p:nvGrpSpPr>
+      <p:grpSpPr/>
+      <p:sp>
+        <p:nvSpPr>
+          <p:cNvPr id="2" name="标题 1"/>
+          <p:cNvSpPr>
+            <a:spLocks noGrp="1"/>
+          </p:cNvSpPr>
+          <p:nvPr>
+            <p:ph type="title"/>
+          </p:nvPr>
+        </p:nvSpPr>
+        <p:spPr/>
+        <p:txBody>
+          <a:bodyPr/>
+          <a:p>
+            <a:r>
+              <a:rPr>
+                <a:sym typeface="+mn-ea"/>
+              </a:rPr>
+              <a:t>主问题：如何准备开发环境</a:t>
+            </a:r>
+            <a:endParaRPr lang="zh-CN" altLang="en-US"/>
+          </a:p>
+        </p:txBody>
+      </p:sp>
+      <p:sp>
+        <p:nvSpPr>
+          <p:cNvPr id="3" name="文本占位符 2"/>
+          <p:cNvSpPr>
+            <a:spLocks noGrp="1"/>
+          </p:cNvSpPr>
+          <p:nvPr>
+            <p:ph type="body" idx="1"/>
+          </p:nvPr>
+        </p:nvSpPr>
+        <p:spPr/>
+        <p:txBody>
+          <a:bodyPr/>
+          <a:p>
+            <a:r>
+              <a:rPr lang="zh-CN" altLang="en-US">
+                <a:sym typeface="+mn-ea"/>
+              </a:rPr>
+              <a:t>安装</a:t>
+            </a:r>
+            <a:r>
+              <a:rPr lang="en-US" altLang="zh-CN">
+                <a:sym typeface="+mn-ea"/>
+              </a:rPr>
+              <a:t>VS Code</a:t>
+            </a:r>
+            <a:endParaRPr lang="en-US" altLang="zh-CN">
+              <a:sym typeface="+mn-ea"/>
+            </a:endParaRPr>
+          </a:p>
+        </p:txBody>
+      </p:sp>
+      <p:sp>
+        <p:nvSpPr>
+          <p:cNvPr id="4" name="内容占位符 3"/>
+          <p:cNvSpPr>
+            <a:spLocks noGrp="1"/>
+          </p:cNvSpPr>
+          <p:nvPr>
+            <p:ph sz="half" idx="2"/>
+          </p:nvPr>
+        </p:nvSpPr>
+        <p:spPr/>
+        <p:txBody>
+          <a:bodyPr/>
+          <a:p>
+            <a:pPr>
+              <a:buFont typeface="Arial" panose="020B0604020202020204" pitchFamily="34" charset="0"/>
+            </a:pPr>
+            <a:r>
+              <a:rPr lang="zh-CN" altLang="en-US"/>
+              <a:t>进入</a:t>
+            </a:r>
+            <a:r>
+              <a:rPr lang="zh-CN" altLang="en-US">
+                <a:hlinkClick r:id="rId1" action="ppaction://hlinkfile"/>
+              </a:rPr>
+              <a:t>官网</a:t>
+            </a:r>
+            <a:r>
+              <a:rPr lang="zh-CN" altLang="en-US"/>
+              <a:t>下载并安装</a:t>
+            </a:r>
+            <a:endParaRPr lang="zh-CN" altLang="en-US"/>
+          </a:p>
+          <a:p>
+            <a:endParaRPr lang="zh-CN" altLang="en-US"/>
+          </a:p>
+        </p:txBody>
+      </p:sp>
+    </p:spTree>
+    <p:custDataLst>
+      <p:tags r:id="rId2"/>
+    </p:custDataLst>
+  </p:cSld>
+  <p:clrMapOvr>
+    <a:masterClrMapping/>
+  </p:clrMapOvr>
+</p:sld>
+</file>
+
+<file path=ppt/slides/slide21.xml><?xml version="1.0" encoding="utf-8"?>
 <p:sld xmlns:a="http://schemas.openxmlformats.org/drawingml/2006/main" xmlns:r="http://schemas.openxmlformats.org/officeDocument/2006/relationships" xmlns:p="http://schemas.openxmlformats.org/presentationml/2006/main">
   <p:cSld>
     <p:spTree>
@@ -9492,7 +9572,7 @@
 </p:sld>
 </file>
 
-<file path=ppt/slides/slide21.xml><?xml version="1.0" encoding="utf-8"?>
+<file path=ppt/slides/slide22.xml><?xml version="1.0" encoding="utf-8"?>
 <p:sld xmlns:a="http://schemas.openxmlformats.org/drawingml/2006/main" xmlns:r="http://schemas.openxmlformats.org/officeDocument/2006/relationships" xmlns:p="http://schemas.openxmlformats.org/presentationml/2006/main">
   <p:cSld>
     <p:spTree>
@@ -9577,7 +9657,7 @@
 </p:sld>
 </file>
 
-<file path=ppt/slides/slide22.xml><?xml version="1.0" encoding="utf-8"?>
+<file path=ppt/slides/slide23.xml><?xml version="1.0" encoding="utf-8"?>
 <p:sld xmlns:a="http://schemas.openxmlformats.org/drawingml/2006/main" xmlns:r="http://schemas.openxmlformats.org/officeDocument/2006/relationships" xmlns:p="http://schemas.openxmlformats.org/presentationml/2006/main">
   <p:cSld>
     <p:spTree>
@@ -9674,7 +9754,7 @@
 </p:sld>
 </file>
 
-<file path=ppt/slides/slide23.xml><?xml version="1.0" encoding="utf-8"?>
+<file path=ppt/slides/slide24.xml><?xml version="1.0" encoding="utf-8"?>
 <p:sld xmlns:a="http://schemas.openxmlformats.org/drawingml/2006/main" xmlns:r="http://schemas.openxmlformats.org/officeDocument/2006/relationships" xmlns:p="http://schemas.openxmlformats.org/presentationml/2006/main">
   <p:cSld>
     <p:spTree>
@@ -9936,7 +10016,7 @@
 </p:sld>
 </file>
 
-<file path=ppt/slides/slide24.xml><?xml version="1.0" encoding="utf-8"?>
+<file path=ppt/slides/slide25.xml><?xml version="1.0" encoding="utf-8"?>
 <p:sld xmlns:a="http://schemas.openxmlformats.org/drawingml/2006/main" xmlns:r="http://schemas.openxmlformats.org/officeDocument/2006/relationships" xmlns:p="http://schemas.openxmlformats.org/presentationml/2006/main">
   <p:cSld>
     <p:spTree>
@@ -10316,7 +10396,7 @@
 </p:sld>
 </file>
 
-<file path=ppt/slides/slide25.xml><?xml version="1.0" encoding="utf-8"?>
+<file path=ppt/slides/slide26.xml><?xml version="1.0" encoding="utf-8"?>
 <p:sld xmlns:a="http://schemas.openxmlformats.org/drawingml/2006/main" xmlns:r="http://schemas.openxmlformats.org/officeDocument/2006/relationships" xmlns:p="http://schemas.openxmlformats.org/presentationml/2006/main">
   <p:cSld>
     <p:spTree>
@@ -10355,52 +10435,9 @@
             </a:endParaRPr>
           </a:p>
           <a:p>
-            <a:pPr marL="285750" indent="-285750">
+            <a:pPr>
               <a:buFont typeface="Arial" panose="020B0604020202020204" pitchFamily="34" charset="0"/>
-              <a:buChar char="•"/>
             </a:pPr>
-            <a:r>
-              <a:rPr lang="en-US" altLang="zh-CN">
-                <a:sym typeface="+mn-ea"/>
-              </a:rPr>
-              <a:t>WebGPU</a:t>
-            </a:r>
-            <a:r>
-              <a:rPr>
-                <a:sym typeface="+mn-ea"/>
-              </a:rPr>
-              <a:t>实现</a:t>
-            </a:r>
-            <a:r>
-              <a:rPr lang="en-US" altLang="zh-CN">
-                <a:sym typeface="+mn-ea"/>
-              </a:rPr>
-              <a:t>“</a:t>
-            </a:r>
-            <a:r>
-              <a:rPr>
-                <a:sym typeface="+mn-ea"/>
-              </a:rPr>
-              <a:t>绘制一个三角形</a:t>
-            </a:r>
-            <a:r>
-              <a:rPr lang="en-US" altLang="zh-CN">
-                <a:sym typeface="+mn-ea"/>
-              </a:rPr>
-              <a:t>”</a:t>
-            </a:r>
-            <a:r>
-              <a:rPr>
-                <a:sym typeface="+mn-ea"/>
-              </a:rPr>
-              <a:t>的</a:t>
-            </a:r>
-            <a:r>
-              <a:rPr>
-                <a:sym typeface="+mn-ea"/>
-              </a:rPr>
-              <a:t>代码有哪些步骤？</a:t>
-            </a:r>
             <a:br>
               <a:rPr>
                 <a:sym typeface="+mn-ea"/>
@@ -10528,7 +10565,7 @@
 </p:sld>
 </file>
 
-<file path=ppt/slides/slide26.xml><?xml version="1.0" encoding="utf-8"?>
+<file path=ppt/slides/slide27.xml><?xml version="1.0" encoding="utf-8"?>
 <p:sld xmlns:a="http://schemas.openxmlformats.org/drawingml/2006/main" xmlns:r="http://schemas.openxmlformats.org/officeDocument/2006/relationships" xmlns:p="http://schemas.openxmlformats.org/presentationml/2006/main">
   <p:cSld>
     <p:spTree>
@@ -10571,7 +10608,7 @@
 </p:sld>
 </file>
 
-<file path=ppt/slides/slide27.xml><?xml version="1.0" encoding="utf-8"?>
+<file path=ppt/slides/slide28.xml><?xml version="1.0" encoding="utf-8"?>
 <p:sld xmlns:a="http://schemas.openxmlformats.org/drawingml/2006/main" xmlns:r="http://schemas.openxmlformats.org/officeDocument/2006/relationships" xmlns:p="http://schemas.openxmlformats.org/presentationml/2006/main">
   <p:cSld>
     <p:spTree>
@@ -10701,102 +10738,6 @@
 </p:sld>
 </file>
 
-<file path=ppt/slides/slide28.xml><?xml version="1.0" encoding="utf-8"?>
-<p:sld xmlns:a="http://schemas.openxmlformats.org/drawingml/2006/main" xmlns:r="http://schemas.openxmlformats.org/officeDocument/2006/relationships" xmlns:p="http://schemas.openxmlformats.org/presentationml/2006/main">
-  <p:cSld>
-    <p:spTree>
-      <p:nvGrpSpPr>
-        <p:cNvPr id="1" name=""/>
-        <p:cNvGrpSpPr/>
-        <p:nvPr/>
-      </p:nvGrpSpPr>
-      <p:grpSpPr/>
-      <p:sp>
-        <p:nvSpPr>
-          <p:cNvPr id="2" name="文本占位符 1"/>
-          <p:cNvSpPr>
-            <a:spLocks noGrp="1"/>
-          </p:cNvSpPr>
-          <p:nvPr>
-            <p:ph type="body" idx="1"/>
-          </p:nvPr>
-        </p:nvSpPr>
-        <p:spPr/>
-        <p:txBody>
-          <a:bodyPr/>
-          <a:p>
-            <a:pPr marL="285750" indent="-285750">
-              <a:buFont typeface="Arial" panose="020B0604020202020204" pitchFamily="34" charset="0"/>
-              <a:buChar char="•"/>
-            </a:pPr>
-            <a:r>
-              <a:rPr>
-                <a:sym typeface="+mn-ea"/>
-                <a:hlinkClick r:id="rId1" action="ppaction://hlinkfile"/>
-              </a:rPr>
-              <a:t>WebGPU学习系列</a:t>
-            </a:r>
-            <a:endParaRPr>
-              <a:sym typeface="+mn-ea"/>
-              <a:hlinkClick r:id="rId1" action="ppaction://hlinkfile"/>
-            </a:endParaRPr>
-          </a:p>
-          <a:p>
-            <a:pPr marL="285750" indent="-285750">
-              <a:buFont typeface="Arial" panose="020B0604020202020204" pitchFamily="34" charset="0"/>
-              <a:buChar char="•"/>
-            </a:pPr>
-            <a:r>
-              <a:rPr lang="zh-CN" altLang="en-US"/>
-              <a:t>《</a:t>
-            </a:r>
-            <a:r>
-              <a:rPr lang="en-US" altLang="zh-CN"/>
-              <a:t>WebGL</a:t>
-            </a:r>
-            <a:r>
-              <a:t>编程指南</a:t>
-            </a:r>
-            <a:r>
-              <a:rPr lang="zh-CN" altLang="en-US"/>
-              <a:t>》</a:t>
-            </a:r>
-            <a:endParaRPr lang="zh-CN" altLang="en-US"/>
-          </a:p>
-          <a:p>
-            <a:pPr marL="285750" indent="-285750">
-              <a:buFont typeface="Arial" panose="020B0604020202020204" pitchFamily="34" charset="0"/>
-              <a:buChar char="•"/>
-            </a:pPr>
-            <a:r>
-              <a:rPr lang="en-US" altLang="zh-CN">
-                <a:hlinkClick r:id="rId2" action="ppaction://hlinkfile"/>
-              </a:rPr>
-              <a:t>WebGPU</a:t>
-            </a:r>
-            <a:r>
-              <a:rPr>
-                <a:hlinkClick r:id="rId2" action="ppaction://hlinkfile"/>
-              </a:rPr>
-              <a:t>规范</a:t>
-            </a:r>
-            <a:endParaRPr>
-              <a:hlinkClick r:id="rId2" action="ppaction://hlinkfile"/>
-            </a:endParaRPr>
-          </a:p>
-        </p:txBody>
-      </p:sp>
-    </p:spTree>
-    <p:custDataLst>
-      <p:tags r:id="rId3"/>
-    </p:custDataLst>
-  </p:cSld>
-  <p:clrMapOvr>
-    <a:masterClrMapping/>
-  </p:clrMapOvr>
-</p:sld>
-</file>
-
 <file path=ppt/slides/slide29.xml><?xml version="1.0" encoding="utf-8"?>
 <p:sld xmlns:a="http://schemas.openxmlformats.org/drawingml/2006/main" xmlns:r="http://schemas.openxmlformats.org/officeDocument/2006/relationships" xmlns:p="http://schemas.openxmlformats.org/presentationml/2006/main">
   <p:cSld>
@@ -10828,18 +10769,63 @@
             <a:r>
               <a:rPr>
                 <a:sym typeface="+mn-ea"/>
-              </a:rPr>
-              <a:t>无</a:t>
+                <a:hlinkClick r:id="rId1" action="ppaction://hlinkfile"/>
+              </a:rPr>
+              <a:t>WebGPU学习系列</a:t>
             </a:r>
             <a:endParaRPr>
               <a:sym typeface="+mn-ea"/>
+              <a:hlinkClick r:id="rId1" action="ppaction://hlinkfile"/>
+            </a:endParaRPr>
+          </a:p>
+          <a:p>
+            <a:pPr marL="285750" indent="-285750">
+              <a:buFont typeface="Arial" panose="020B0604020202020204" pitchFamily="34" charset="0"/>
+              <a:buChar char="•"/>
+            </a:pPr>
+            <a:r>
+              <a:rPr lang="zh-CN" altLang="en-US"/>
+              <a:t>《</a:t>
+            </a:r>
+            <a:r>
+              <a:rPr lang="en-US" altLang="zh-CN"/>
+              <a:t>WebGL</a:t>
+            </a:r>
+            <a:r>
+              <a:t>编程指南</a:t>
+            </a:r>
+            <a:r>
+              <a:rPr lang="zh-CN" altLang="en-US"/>
+              <a:t>》</a:t>
+            </a:r>
+            <a:endParaRPr lang="zh-CN" altLang="en-US"/>
+          </a:p>
+          <a:p>
+            <a:pPr marL="285750" indent="-285750">
+              <a:buFont typeface="Arial" panose="020B0604020202020204" pitchFamily="34" charset="0"/>
+              <a:buChar char="•"/>
+            </a:pPr>
+            <a:r>
+              <a:rPr lang="en-US" altLang="zh-CN">
+                <a:hlinkClick r:id="rId2" action="ppaction://hlinkfile"/>
+              </a:rPr>
+              <a:t>WebGPU</a:t>
+            </a:r>
+            <a:r>
+              <a:rPr>
+                <a:hlinkClick r:id="rId2" action="ppaction://hlinkfile"/>
+              </a:rPr>
+              <a:t>规范</a:t>
+            </a:r>
+            <a:endParaRPr>
+              <a:hlinkClick r:id="rId2" action="ppaction://hlinkfile"/>
             </a:endParaRPr>
           </a:p>
         </p:txBody>
       </p:sp>
     </p:spTree>
     <p:custDataLst>
-      <p:tags r:id="rId1"/>
+      <p:tags r:id="rId3"/>
     </p:custDataLst>
   </p:cSld>
   <p:clrMapOvr>
@@ -11447,40 +11433,14 @@
               <a:buChar char="•"/>
             </a:pPr>
             <a:r>
-              <a:rPr lang="zh-CN" altLang="en-US"/>
-              <a:t>请在你的电脑上运行程序，绘制</a:t>
-            </a:r>
-            <a:r>
-              <a:rPr lang="zh-CN" altLang="en-US"/>
-              <a:t>出一个</a:t>
-            </a:r>
-            <a:r>
-              <a:rPr lang="zh-CN" altLang="en-US"/>
-              <a:t>三角形</a:t>
-            </a:r>
-            <a:endParaRPr lang="zh-CN" altLang="en-US"/>
-          </a:p>
-        </p:txBody>
-      </p:sp>
-      <p:sp>
-        <p:nvSpPr>
-          <p:cNvPr id="3" name="标题 2"/>
-          <p:cNvSpPr>
-            <a:spLocks noGrp="1"/>
-          </p:cNvSpPr>
-          <p:nvPr>
-            <p:ph type="title"/>
-          </p:nvPr>
-        </p:nvSpPr>
-        <p:spPr/>
-        <p:txBody>
-          <a:bodyPr/>
-          <a:p>
-            <a:r>
-              <a:rPr lang="zh-CN" altLang="en-US"/>
-              <a:t>作业</a:t>
-            </a:r>
-            <a:endParaRPr lang="zh-CN" altLang="en-US"/>
+              <a:rPr>
+                <a:sym typeface="+mn-ea"/>
+              </a:rPr>
+              <a:t>无</a:t>
+            </a:r>
+            <a:endParaRPr>
+              <a:sym typeface="+mn-ea"/>
+            </a:endParaRPr>
           </a:p>
         </p:txBody>
       </p:sp>
@@ -11524,11 +11484,18 @@
               <a:buChar char="•"/>
             </a:pPr>
             <a:r>
-              <a:t>使用框架</a:t>
-            </a:r>
-            <a:r>
-              <a:t>重构</a:t>
-            </a:r>
+              <a:rPr lang="zh-CN" altLang="en-US"/>
+              <a:t>请在你的电脑上运行程序，绘制</a:t>
+            </a:r>
+            <a:r>
+              <a:rPr lang="zh-CN" altLang="en-US"/>
+              <a:t>出一个</a:t>
+            </a:r>
+            <a:r>
+              <a:rPr lang="zh-CN" altLang="en-US"/>
+              <a:t>三角形</a:t>
+            </a:r>
+            <a:endParaRPr lang="zh-CN" altLang="en-US"/>
           </a:p>
         </p:txBody>
       </p:sp>
@@ -11548,7 +11515,7 @@
           <a:p>
             <a:r>
               <a:rPr lang="zh-CN" altLang="en-US"/>
-              <a:t>下节课预告</a:t>
+              <a:t>作业</a:t>
             </a:r>
             <a:endParaRPr lang="zh-CN" altLang="en-US"/>
           </a:p>
@@ -11594,71 +11561,11 @@
               <a:buChar char="•"/>
             </a:pPr>
             <a:r>
-              <a:rPr lang="zh-CN" altLang="en-US"/>
-              <a:t>提供预习下节课的</a:t>
-            </a:r>
-            <a:r>
-              <a:rPr lang="zh-CN" altLang="en-US"/>
-              <a:t>资料？</a:t>
-            </a:r>
-            <a:endParaRPr lang="zh-CN" altLang="en-US"/>
-          </a:p>
-          <a:p>
-            <a:pPr marL="285750" indent="-285750">
-              <a:buFont typeface="Arial" panose="020B0604020202020204" pitchFamily="34" charset="0"/>
-              <a:buChar char="•"/>
-            </a:pPr>
-            <a:r>
-              <a:t>会详细讲</a:t>
-            </a:r>
-            <a:r>
-              <a:rPr lang="en-US" altLang="zh-CN"/>
-              <a:t>WebGPU</a:t>
-            </a:r>
-            <a:r>
-              <a:t>和</a:t>
-            </a:r>
-            <a:r>
-              <a:rPr lang="en-US" altLang="zh-CN"/>
-              <a:t>GLSL</a:t>
-            </a:r>
-            <a:r>
-              <a:t>吗？</a:t>
-            </a:r>
-          </a:p>
-          <a:p>
-            <a:pPr>
-              <a:buFont typeface="Arial" panose="020B0604020202020204" pitchFamily="34" charset="0"/>
-            </a:pPr>
-            <a:r>
-              <a:rPr lang="en-US" altLang="zh-CN"/>
-              <a:t>- WebGPU</a:t>
-            </a:r>
-            <a:r>
-              <a:t>不会详细讲，因为不是重点</a:t>
-            </a:r>
-            <a:r>
-              <a:rPr lang="en-US" altLang="zh-CN"/>
-              <a:t> </a:t>
-            </a:r>
-            <a:endParaRPr lang="en-US" altLang="zh-CN"/>
-          </a:p>
-          <a:p>
-            <a:pPr>
-              <a:buFont typeface="Arial" panose="020B0604020202020204" pitchFamily="34" charset="0"/>
-            </a:pPr>
-            <a:r>
-              <a:rPr lang="en-US" altLang="zh-CN"/>
-              <a:t>- </a:t>
-            </a:r>
-            <a:r>
-              <a:t>会彻底搞懂</a:t>
-            </a:r>
-            <a:r>
-              <a:rPr lang="en-US" altLang="zh-CN"/>
-              <a:t>GLSL</a:t>
-            </a:r>
-            <a:endParaRPr lang="en-US" altLang="zh-CN"/>
+              <a:t>使用框架</a:t>
+            </a:r>
+            <a:r>
+              <a:t>重构</a:t>
+            </a:r>
           </a:p>
         </p:txBody>
       </p:sp>
@@ -11677,8 +11584,10 @@
           <a:bodyPr/>
           <a:p>
             <a:r>
-              <a:t>问答</a:t>
-            </a:r>
+              <a:rPr lang="zh-CN" altLang="en-US"/>
+              <a:t>下节课预告</a:t>
+            </a:r>
+            <a:endParaRPr lang="zh-CN" altLang="en-US"/>
           </a:p>
         </p:txBody>
       </p:sp>
@@ -11705,7 +11614,94 @@
       <p:grpSpPr/>
       <p:sp>
         <p:nvSpPr>
-          <p:cNvPr id="2" name="标题 1"/>
+          <p:cNvPr id="2" name="文本占位符 1"/>
+          <p:cNvSpPr>
+            <a:spLocks noGrp="1"/>
+          </p:cNvSpPr>
+          <p:nvPr>
+            <p:ph type="body" idx="1"/>
+          </p:nvPr>
+        </p:nvSpPr>
+        <p:spPr/>
+        <p:txBody>
+          <a:bodyPr/>
+          <a:p>
+            <a:pPr marL="285750" indent="-285750">
+              <a:buFont typeface="Arial" panose="020B0604020202020204" pitchFamily="34" charset="0"/>
+              <a:buChar char="•"/>
+            </a:pPr>
+            <a:r>
+              <a:rPr lang="zh-CN" altLang="en-US"/>
+              <a:t>提供预习下节课的</a:t>
+            </a:r>
+            <a:r>
+              <a:rPr lang="zh-CN" altLang="en-US"/>
+              <a:t>资料？</a:t>
+            </a:r>
+            <a:endParaRPr lang="zh-CN" altLang="en-US"/>
+          </a:p>
+          <a:p>
+            <a:pPr marL="285750" indent="-285750">
+              <a:buFont typeface="Arial" panose="020B0604020202020204" pitchFamily="34" charset="0"/>
+              <a:buChar char="•"/>
+            </a:pPr>
+            <a:r>
+              <a:t>会详细讲</a:t>
+            </a:r>
+            <a:r>
+              <a:rPr lang="en-US" altLang="zh-CN"/>
+              <a:t>WebGPU</a:t>
+            </a:r>
+            <a:r>
+              <a:t>和</a:t>
+            </a:r>
+            <a:r>
+              <a:rPr lang="en-US" altLang="zh-CN"/>
+              <a:t>GLSL</a:t>
+            </a:r>
+            <a:r>
+              <a:t>吗？</a:t>
+            </a:r>
+          </a:p>
+          <a:p>
+            <a:pPr>
+              <a:buFont typeface="Arial" panose="020B0604020202020204" pitchFamily="34" charset="0"/>
+            </a:pPr>
+            <a:r>
+              <a:rPr lang="en-US" altLang="zh-CN"/>
+              <a:t>- WebGPU</a:t>
+            </a:r>
+            <a:r>
+              <a:t>不会详细讲，因为不是重点</a:t>
+            </a:r>
+            <a:r>
+              <a:rPr lang="en-US" altLang="zh-CN"/>
+              <a:t> </a:t>
+            </a:r>
+            <a:endParaRPr lang="en-US" altLang="zh-CN"/>
+          </a:p>
+          <a:p>
+            <a:pPr>
+              <a:buFont typeface="Arial" panose="020B0604020202020204" pitchFamily="34" charset="0"/>
+            </a:pPr>
+            <a:r>
+              <a:rPr lang="en-US" altLang="zh-CN"/>
+              <a:t>- </a:t>
+            </a:r>
+            <a:r>
+              <a:t>会彻底搞懂</a:t>
+            </a:r>
+            <a:r>
+              <a:rPr lang="en-US" altLang="zh-CN"/>
+              <a:t>GLSL</a:t>
+            </a:r>
+            <a:endParaRPr lang="en-US" altLang="zh-CN"/>
+          </a:p>
+        </p:txBody>
+      </p:sp>
+      <p:sp>
+        <p:nvSpPr>
+          <p:cNvPr id="3" name="标题 2"/>
           <p:cNvSpPr>
             <a:spLocks noGrp="1"/>
           </p:cNvSpPr>
@@ -11713,39 +11709,13 @@
             <p:ph type="title"/>
           </p:nvPr>
         </p:nvSpPr>
-        <p:spPr>
-          <a:xfrm>
-            <a:off x="657817" y="3214570"/>
-            <a:ext cx="10852237" cy="648000"/>
-          </a:xfrm>
-        </p:spPr>
+        <p:spPr/>
         <p:txBody>
           <a:bodyPr/>
           <a:p>
-            <a:endParaRPr lang="zh-CN" altLang="en-US"/>
-          </a:p>
-        </p:txBody>
-      </p:sp>
-      <p:sp>
-        <p:nvSpPr>
-          <p:cNvPr id="3" name="文本占位符 2"/>
-          <p:cNvSpPr>
-            <a:spLocks noGrp="1"/>
-          </p:cNvSpPr>
-          <p:nvPr>
-            <p:ph type="body" idx="1"/>
-          </p:nvPr>
-        </p:nvSpPr>
-        <p:spPr>
-          <a:xfrm>
-            <a:off x="669925" y="1626235"/>
-            <a:ext cx="10852150" cy="4553585"/>
-          </a:xfrm>
-        </p:spPr>
-        <p:txBody>
-          <a:bodyPr/>
-          <a:p>
-            <a:endParaRPr lang="zh-CN" altLang="en-US"/>
+            <a:r>
+              <a:t>问答</a:t>
+            </a:r>
           </a:p>
         </p:txBody>
       </p:sp>
@@ -11760,7 +11730,177 @@
 </p:sld>
 </file>
 
+<file path=ppt/slides/slide34.xml><?xml version="1.0" encoding="utf-8"?>
+<p:sld xmlns:a="http://schemas.openxmlformats.org/drawingml/2006/main" xmlns:r="http://schemas.openxmlformats.org/officeDocument/2006/relationships" xmlns:p="http://schemas.openxmlformats.org/presentationml/2006/main">
+  <p:cSld>
+    <p:spTree>
+      <p:nvGrpSpPr>
+        <p:cNvPr id="1" name=""/>
+        <p:cNvGrpSpPr/>
+        <p:nvPr/>
+      </p:nvGrpSpPr>
+      <p:grpSpPr/>
+      <p:sp>
+        <p:nvSpPr>
+          <p:cNvPr id="2" name="标题 1"/>
+          <p:cNvSpPr>
+            <a:spLocks noGrp="1"/>
+          </p:cNvSpPr>
+          <p:nvPr>
+            <p:ph type="title"/>
+          </p:nvPr>
+        </p:nvSpPr>
+        <p:spPr>
+          <a:xfrm>
+            <a:off x="657817" y="3214570"/>
+            <a:ext cx="10852237" cy="648000"/>
+          </a:xfrm>
+        </p:spPr>
+        <p:txBody>
+          <a:bodyPr/>
+          <a:p>
+            <a:endParaRPr lang="zh-CN" altLang="en-US"/>
+          </a:p>
+        </p:txBody>
+      </p:sp>
+      <p:sp>
+        <p:nvSpPr>
+          <p:cNvPr id="3" name="文本占位符 2"/>
+          <p:cNvSpPr>
+            <a:spLocks noGrp="1"/>
+          </p:cNvSpPr>
+          <p:nvPr>
+            <p:ph type="body" idx="1"/>
+          </p:nvPr>
+        </p:nvSpPr>
+        <p:spPr>
+          <a:xfrm>
+            <a:off x="669925" y="1626235"/>
+            <a:ext cx="10852150" cy="4553585"/>
+          </a:xfrm>
+        </p:spPr>
+        <p:txBody>
+          <a:bodyPr/>
+          <a:p>
+            <a:endParaRPr lang="zh-CN" altLang="en-US"/>
+          </a:p>
+        </p:txBody>
+      </p:sp>
+    </p:spTree>
+    <p:custDataLst>
+      <p:tags r:id="rId1"/>
+    </p:custDataLst>
+  </p:cSld>
+  <p:clrMapOvr>
+    <a:masterClrMapping/>
+  </p:clrMapOvr>
+</p:sld>
+</file>
+
 <file path=ppt/slides/slide4.xml><?xml version="1.0" encoding="utf-8"?>
+<p:sld xmlns:a="http://schemas.openxmlformats.org/drawingml/2006/main" xmlns:r="http://schemas.openxmlformats.org/officeDocument/2006/relationships" xmlns:p="http://schemas.openxmlformats.org/presentationml/2006/main">
+  <p:cSld>
+    <p:spTree>
+      <p:nvGrpSpPr>
+        <p:cNvPr id="1" name=""/>
+        <p:cNvGrpSpPr/>
+        <p:nvPr/>
+      </p:nvGrpSpPr>
+      <p:grpSpPr/>
+      <p:sp>
+        <p:nvSpPr>
+          <p:cNvPr id="2" name="文本占位符 1"/>
+          <p:cNvSpPr>
+            <a:spLocks noGrp="1"/>
+          </p:cNvSpPr>
+          <p:nvPr>
+            <p:ph type="body" idx="1"/>
+          </p:nvPr>
+        </p:nvSpPr>
+        <p:spPr/>
+        <p:txBody>
+          <a:bodyPr/>
+          <a:p>
+            <a:pPr marL="285750" indent="-285750">
+              <a:buFont typeface="Arial" panose="020B0604020202020204" pitchFamily="34" charset="0"/>
+              <a:buChar char="•"/>
+            </a:pPr>
+            <a:r>
+              <a:rPr>
+                <a:sym typeface="+mn-ea"/>
+              </a:rPr>
+              <a:t>为什么要学习离线</a:t>
+            </a:r>
+            <a:r>
+              <a:rPr>
+                <a:sym typeface="+mn-ea"/>
+              </a:rPr>
+              <a:t>渲染？</a:t>
+            </a:r>
+            <a:endParaRPr>
+              <a:sym typeface="+mn-ea"/>
+            </a:endParaRPr>
+          </a:p>
+          <a:p>
+            <a:pPr marL="285750" indent="-285750">
+              <a:buFont typeface="Arial" panose="020B0604020202020204" pitchFamily="34" charset="0"/>
+              <a:buChar char="•"/>
+            </a:pPr>
+            <a:endParaRPr lang="zh-CN" altLang="en-US"/>
+          </a:p>
+        </p:txBody>
+      </p:sp>
+      <p:sp>
+        <p:nvSpPr>
+          <p:cNvPr id="3" name="标题 2"/>
+          <p:cNvSpPr>
+            <a:spLocks noGrp="1"/>
+          </p:cNvSpPr>
+          <p:nvPr>
+            <p:ph type="title"/>
+          </p:nvPr>
+        </p:nvSpPr>
+        <p:spPr/>
+        <p:txBody>
+          <a:bodyPr/>
+          <a:p>
+            <a:r>
+              <a:rPr>
+                <a:sym typeface="+mn-ea"/>
+              </a:rPr>
+              <a:t>回顾课程</a:t>
+            </a:r>
+            <a:r>
+              <a:rPr>
+                <a:sym typeface="+mn-ea"/>
+              </a:rPr>
+              <a:t>内容</a:t>
+            </a:r>
+            <a:endParaRPr>
+              <a:sym typeface="+mn-ea"/>
+            </a:endParaRPr>
+          </a:p>
+        </p:txBody>
+      </p:sp>
+    </p:spTree>
+    <p:custDataLst>
+      <p:tags r:id="rId1"/>
+    </p:custDataLst>
+  </p:cSld>
+  <p:clrMapOvr>
+    <a:masterClrMapping/>
+  </p:clrMapOvr>
+  <p:timing>
+    <p:tnLst>
+      <p:par>
+        <p:cTn id="1" dur="indefinite" restart="never" nodeType="tmRoot"/>
+      </p:par>
+    </p:tnLst>
+  </p:timing>
+</p:sld>
+</file>
+
+<file path=ppt/slides/slide5.xml><?xml version="1.0" encoding="utf-8"?>
 <p:sld xmlns:a="http://schemas.openxmlformats.org/drawingml/2006/main" xmlns:r="http://schemas.openxmlformats.org/officeDocument/2006/relationships" xmlns:p="http://schemas.openxmlformats.org/presentationml/2006/main">
   <p:cSld>
     <p:spTree>
@@ -12109,7 +12249,7 @@
 </p:sld>
 </file>
 
-<file path=ppt/slides/slide5.xml><?xml version="1.0" encoding="utf-8"?>
+<file path=ppt/slides/slide6.xml><?xml version="1.0" encoding="utf-8"?>
 <p:sld xmlns:a="http://schemas.openxmlformats.org/drawingml/2006/main" xmlns:r="http://schemas.openxmlformats.org/officeDocument/2006/relationships" xmlns:p="http://schemas.openxmlformats.org/presentationml/2006/main">
   <p:cSld>
     <p:spTree>
@@ -12176,7 +12316,7 @@
 </p:sld>
 </file>
 
-<file path=ppt/slides/slide6.xml><?xml version="1.0" encoding="utf-8"?>
+<file path=ppt/slides/slide7.xml><?xml version="1.0" encoding="utf-8"?>
 <p:sld xmlns:a="http://schemas.openxmlformats.org/drawingml/2006/main" xmlns:r="http://schemas.openxmlformats.org/officeDocument/2006/relationships" xmlns:p="http://schemas.openxmlformats.org/presentationml/2006/main">
   <p:cSld>
     <p:spTree>
@@ -12522,7 +12662,7 @@
 </p:sld>
 </file>
 
-<file path=ppt/slides/slide7.xml><?xml version="1.0" encoding="utf-8"?>
+<file path=ppt/slides/slide8.xml><?xml version="1.0" encoding="utf-8"?>
 <p:sld xmlns:a="http://schemas.openxmlformats.org/drawingml/2006/main" xmlns:r="http://schemas.openxmlformats.org/officeDocument/2006/relationships" xmlns:p="http://schemas.openxmlformats.org/presentationml/2006/main">
   <p:cSld>
     <p:spTree>
@@ -12577,7 +12717,7 @@
 </p:sld>
 </file>
 
-<file path=ppt/slides/slide8.xml><?xml version="1.0" encoding="utf-8"?>
+<file path=ppt/slides/slide9.xml><?xml version="1.0" encoding="utf-8"?>
 <p:sld xmlns:a="http://schemas.openxmlformats.org/drawingml/2006/main" xmlns:r="http://schemas.openxmlformats.org/officeDocument/2006/relationships" xmlns:p="http://schemas.openxmlformats.org/presentationml/2006/main">
   <p:cSld>
     <p:spTree>
@@ -13083,85 +13223,6 @@
 </p:sld>
 </file>
 
-<file path=ppt/slides/slide9.xml><?xml version="1.0" encoding="utf-8"?>
-<p:sld xmlns:a="http://schemas.openxmlformats.org/drawingml/2006/main" xmlns:r="http://schemas.openxmlformats.org/officeDocument/2006/relationships" xmlns:p="http://schemas.openxmlformats.org/presentationml/2006/main">
-  <p:cSld>
-    <p:spTree>
-      <p:nvGrpSpPr>
-        <p:cNvPr id="1" name=""/>
-        <p:cNvGrpSpPr/>
-        <p:nvPr/>
-      </p:nvGrpSpPr>
-      <p:grpSpPr>
-        <a:xfrm>
-          <a:off x="0" y="0"/>
-          <a:ext cx="0" cy="0"/>
-          <a:chOff x="0" y="0"/>
-          <a:chExt cx="0" cy="0"/>
-        </a:xfrm>
-      </p:grpSpPr>
-      <p:sp>
-        <p:nvSpPr>
-          <p:cNvPr id="2" name="标题 1"/>
-          <p:cNvSpPr>
-            <a:spLocks noGrp="1"/>
-          </p:cNvSpPr>
-          <p:nvPr>
-            <p:ph type="title"/>
-          </p:nvPr>
-        </p:nvSpPr>
-        <p:spPr/>
-        <p:txBody>
-          <a:bodyPr/>
-          <a:lstStyle/>
-          <a:p>
-            <a:r>
-              <a:rPr>
-                <a:sym typeface="+mn-ea"/>
-              </a:rPr>
-              <a:t>主问题：</a:t>
-            </a:r>
-            <a:r>
-              <a:rPr lang="en-US">
-                <a:sym typeface="+mn-ea"/>
-              </a:rPr>
-              <a:t>WebGPU</a:t>
-            </a:r>
-            <a:r>
-              <a:rPr>
-                <a:sym typeface="+mn-ea"/>
-              </a:rPr>
-              <a:t>和</a:t>
-            </a:r>
-            <a:r>
-              <a:rPr lang="en-US" altLang="zh-CN">
-                <a:sym typeface="+mn-ea"/>
-              </a:rPr>
-              <a:t>WebGL</a:t>
-            </a:r>
-            <a:r>
-              <a:rPr>
-                <a:sym typeface="+mn-ea"/>
-              </a:rPr>
-              <a:t>是什么关系</a:t>
-            </a:r>
-            <a:endParaRPr dirty="0">
-              <a:sym typeface="+mn-ea"/>
-            </a:endParaRPr>
-          </a:p>
-        </p:txBody>
-      </p:sp>
-    </p:spTree>
-    <p:custDataLst>
-      <p:tags r:id="rId1"/>
-    </p:custDataLst>
-  </p:cSld>
-  <p:clrMapOvr>
-    <a:masterClrMapping/>
-  </p:clrMapOvr>
-</p:sld>
-</file>
-
 <file path=ppt/tags/tag1.xml><?xml version="1.0" encoding="utf-8"?>
 <p:tagLst xmlns:p="http://schemas.openxmlformats.org/presentationml/2006/main">
   <p:tag name="KSO_WM_UNIT_HIGHLIGHT" val="0"/>
@@ -13945,11 +14006,20 @@
 
 <file path=ppt/tags/tag65.xml><?xml version="1.0" encoding="utf-8"?>
 <p:tagLst xmlns:p="http://schemas.openxmlformats.org/presentationml/2006/main">
+  <p:tag name="KSO_WM_BEAUTIFY_FLAG" val="#wm#"/>
+  <p:tag name="KSO_WM_TEMPLATE_CATEGORY" val="custom"/>
+  <p:tag name="KSO_WM_TEMPLATE_INDEX" val="20187308"/>
   <p:tag name="KSO_WM_SPECIAL_SOURCE" val="bdnull"/>
 </p:tagLst>
 </file>
 
 <file path=ppt/tags/tag66.xml><?xml version="1.0" encoding="utf-8"?>
+<p:tagLst xmlns:p="http://schemas.openxmlformats.org/presentationml/2006/main">
+  <p:tag name="KSO_WM_SPECIAL_SOURCE" val="bdnull"/>
+</p:tagLst>
+</file>
+
+<file path=ppt/tags/tag67.xml><?xml version="1.0" encoding="utf-8"?>
 <p:tagLst xmlns:p="http://schemas.openxmlformats.org/presentationml/2006/main">
   <p:tag name="KSO_WM_BEAUTIFY_FLAG" val="#wm#"/>
   <p:tag name="KSO_WM_TEMPLATE_CATEGORY" val="custom"/>
@@ -13958,23 +14028,17 @@
 </p:tagLst>
 </file>
 
-<file path=ppt/tags/tag67.xml><?xml version="1.0" encoding="utf-8"?>
+<file path=ppt/tags/tag68.xml><?xml version="1.0" encoding="utf-8"?>
 <p:tagLst xmlns:p="http://schemas.openxmlformats.org/presentationml/2006/main">
   <p:tag name="KSO_WM_SPECIAL_SOURCE" val="bdnull"/>
 </p:tagLst>
 </file>
 
-<file path=ppt/tags/tag68.xml><?xml version="1.0" encoding="utf-8"?>
+<file path=ppt/tags/tag69.xml><?xml version="1.0" encoding="utf-8"?>
 <p:tagLst xmlns:p="http://schemas.openxmlformats.org/presentationml/2006/main">
   <p:tag name="KSO_WM_BEAUTIFY_FLAG" val="#wm#"/>
   <p:tag name="KSO_WM_TEMPLATE_CATEGORY" val="custom"/>
   <p:tag name="KSO_WM_TEMPLATE_INDEX" val="20187308"/>
-  <p:tag name="KSO_WM_SPECIAL_SOURCE" val="bdnull"/>
-</p:tagLst>
-</file>
-
-<file path=ppt/tags/tag69.xml><?xml version="1.0" encoding="utf-8"?>
-<p:tagLst xmlns:p="http://schemas.openxmlformats.org/presentationml/2006/main">
   <p:tag name="KSO_WM_SPECIAL_SOURCE" val="bdnull"/>
 </p:tagLst>
 </file>
@@ -13994,13 +14058,13 @@
 
 <file path=ppt/tags/tag70.xml><?xml version="1.0" encoding="utf-8"?>
 <p:tagLst xmlns:p="http://schemas.openxmlformats.org/presentationml/2006/main">
-  <p:tag name="KSO_WM_UNIT_PLACING_PICTURE_USER_VIEWPORT" val="{&quot;height&quot;:6687,&quot;width&quot;:9871}"/>
+  <p:tag name="KSO_WM_SPECIAL_SOURCE" val="bdnull"/>
 </p:tagLst>
 </file>
 
 <file path=ppt/tags/tag71.xml><?xml version="1.0" encoding="utf-8"?>
 <p:tagLst xmlns:p="http://schemas.openxmlformats.org/presentationml/2006/main">
-  <p:tag name="KSO_WM_SPECIAL_SOURCE" val="bdnull"/>
+  <p:tag name="KSO_WM_UNIT_PLACING_PICTURE_USER_VIEWPORT" val="{&quot;height&quot;:6687,&quot;width&quot;:9871}"/>
 </p:tagLst>
 </file>
 
@@ -14017,6 +14081,12 @@
 </file>
 
 <file path=ppt/tags/tag74.xml><?xml version="1.0" encoding="utf-8"?>
+<p:tagLst xmlns:p="http://schemas.openxmlformats.org/presentationml/2006/main">
+  <p:tag name="KSO_WM_SPECIAL_SOURCE" val="bdnull"/>
+</p:tagLst>
+</file>
+
+<file path=ppt/tags/tag75.xml><?xml version="1.0" encoding="utf-8"?>
 <p:tagLst xmlns:p="http://schemas.openxmlformats.org/presentationml/2006/main">
   <p:tag name="KSO_WM_BEAUTIFY_FLAG" val="#wm#"/>
   <p:tag name="KSO_WM_TEMPLATE_CATEGORY" val="custom"/>
@@ -14025,17 +14095,8 @@
 </p:tagLst>
 </file>
 
-<file path=ppt/tags/tag75.xml><?xml version="1.0" encoding="utf-8"?>
-<p:tagLst xmlns:p="http://schemas.openxmlformats.org/presentationml/2006/main">
-  <p:tag name="KSO_WM_SPECIAL_SOURCE" val="bdnull"/>
-</p:tagLst>
-</file>
-
 <file path=ppt/tags/tag76.xml><?xml version="1.0" encoding="utf-8"?>
 <p:tagLst xmlns:p="http://schemas.openxmlformats.org/presentationml/2006/main">
-  <p:tag name="KSO_WM_BEAUTIFY_FLAG" val="#wm#"/>
-  <p:tag name="KSO_WM_TEMPLATE_CATEGORY" val="custom"/>
-  <p:tag name="KSO_WM_TEMPLATE_INDEX" val="20187308"/>
   <p:tag name="KSO_WM_SPECIAL_SOURCE" val="bdnull"/>
 </p:tagLst>
 </file>
@@ -14109,13 +14170,16 @@
 
 <file path=ppt/tags/tag83.xml><?xml version="1.0" encoding="utf-8"?>
 <p:tagLst xmlns:p="http://schemas.openxmlformats.org/presentationml/2006/main">
-  <p:tag name="KSO_WM_UNIT_PLACING_PICTURE_USER_VIEWPORT" val="{&quot;height&quot;:4005,&quot;width&quot;:14715}"/>
+  <p:tag name="KSO_WM_BEAUTIFY_FLAG" val="#wm#"/>
+  <p:tag name="KSO_WM_TEMPLATE_CATEGORY" val="custom"/>
+  <p:tag name="KSO_WM_TEMPLATE_INDEX" val="20187308"/>
+  <p:tag name="KSO_WM_SPECIAL_SOURCE" val="bdnull"/>
 </p:tagLst>
 </file>
 
 <file path=ppt/tags/tag84.xml><?xml version="1.0" encoding="utf-8"?>
 <p:tagLst xmlns:p="http://schemas.openxmlformats.org/presentationml/2006/main">
-  <p:tag name="KSO_WM_SPECIAL_SOURCE" val="bdnull"/>
+  <p:tag name="KSO_WM_UNIT_PLACING_PICTURE_USER_VIEWPORT" val="{&quot;height&quot;:4005,&quot;width&quot;:14715}"/>
 </p:tagLst>
 </file>
 
@@ -14127,9 +14191,6 @@
 
 <file path=ppt/tags/tag86.xml><?xml version="1.0" encoding="utf-8"?>
 <p:tagLst xmlns:p="http://schemas.openxmlformats.org/presentationml/2006/main">
-  <p:tag name="KSO_WM_BEAUTIFY_FLAG" val="#wm#"/>
-  <p:tag name="KSO_WM_TEMPLATE_CATEGORY" val="custom"/>
-  <p:tag name="KSO_WM_TEMPLATE_INDEX" val="20187308"/>
   <p:tag name="KSO_WM_SPECIAL_SOURCE" val="bdnull"/>
 </p:tagLst>
 </file>
@@ -14220,6 +14281,15 @@
 </file>
 
 <file path=ppt/tags/tag95.xml><?xml version="1.0" encoding="utf-8"?>
+<p:tagLst xmlns:p="http://schemas.openxmlformats.org/presentationml/2006/main">
+  <p:tag name="KSO_WM_BEAUTIFY_FLAG" val="#wm#"/>
+  <p:tag name="KSO_WM_TEMPLATE_CATEGORY" val="custom"/>
+  <p:tag name="KSO_WM_TEMPLATE_INDEX" val="20187308"/>
+  <p:tag name="KSO_WM_SPECIAL_SOURCE" val="bdnull"/>
+</p:tagLst>
+</file>
+
+<file path=ppt/tags/tag96.xml><?xml version="1.0" encoding="utf-8"?>
 <p:tagLst xmlns:p="http://schemas.openxmlformats.org/presentationml/2006/main">
   <p:tag name="KSO_DOCER_TEMPLATE_OPEN_ONCE_MARK" val="1"/>
 </p:tagLst>
